--- a/slides/Summary-Slides.pptx
+++ b/slides/Summary-Slides.pptx
@@ -4526,11 +4526,17 @@
             </a:pPr>
             <a:r>
               <a:rPr lang="en-US" dirty="0"/>
-              <a:t>Notebook for </a:t>
-            </a:r>
-            <a:r>
-              <a:rPr lang="en-US"/>
-              <a:t>slides preparation. </a:t>
+              <a:t>Notebook for slides preparation. </a:t>
+            </a:r>
+            <a:r>
+              <a:rPr lang="en-US" dirty="0">
+                <a:hlinkClick r:id="rId3"/>
+              </a:rPr>
+              <a:t>https://github.com/hkailee/financial-product-marketing-optimization/blob/main/notebooks/01-slides-preparation.ipynb</a:t>
+            </a:r>
+            <a:r>
+              <a:rPr lang="en-US" dirty="0"/>
+              <a:t> </a:t>
             </a:r>
           </a:p>
         </p:txBody>

--- a/slides/Summary-Slides.pptx
+++ b/slides/Summary-Slides.pptx
@@ -6450,7 +6450,7 @@
         <p:spPr>
           <a:xfrm>
             <a:off x="1244502" y="5969655"/>
-            <a:ext cx="2739799" cy="523220"/>
+            <a:ext cx="2739799" cy="738664"/>
           </a:xfrm>
           <a:prstGeom prst="rect">
             <a:avLst/>
@@ -6469,7 +6469,7 @@
             </a:r>
             <a:r>
               <a:rPr lang="en-US" sz="1400" dirty="0"/>
-              <a:t>, </a:t>
+              <a:t> (higher in bought), </a:t>
             </a:r>
           </a:p>
           <a:p>
@@ -6477,7 +6477,10 @@
               <a:rPr lang="en-US" sz="1400" dirty="0" err="1"/>
               <a:t>TransactionsDebCashless_Card</a:t>
             </a:r>
-            <a:endParaRPr lang="en-US" sz="1400" dirty="0"/>
+            <a:r>
+              <a:rPr lang="en-US" sz="1400" dirty="0"/>
+              <a:t> (higher in bought)</a:t>
+            </a:r>
           </a:p>
         </p:txBody>
       </p:sp>
@@ -6495,8 +6498,8 @@
         </p:nvSpPr>
         <p:spPr>
           <a:xfrm>
-            <a:off x="5484867" y="5941140"/>
-            <a:ext cx="1726122" cy="738664"/>
+            <a:off x="5115208" y="5941140"/>
+            <a:ext cx="2739799" cy="738664"/>
           </a:xfrm>
           <a:prstGeom prst="rect">
             <a:avLst/>
@@ -6515,7 +6518,7 @@
             </a:r>
             <a:r>
               <a:rPr lang="en-US" sz="1400" dirty="0"/>
-              <a:t>, </a:t>
+              <a:t> (higher in bought), </a:t>
             </a:r>
           </a:p>
           <a:p>
@@ -6525,13 +6528,13 @@
             </a:r>
             <a:r>
               <a:rPr lang="en-US" sz="1400" dirty="0"/>
-              <a:t>, </a:t>
+              <a:t> (higher in bought), </a:t>
             </a:r>
           </a:p>
           <a:p>
             <a:r>
               <a:rPr lang="en-US" sz="1400" dirty="0"/>
-              <a:t>Age</a:t>
+              <a:t>Age (higher in bought)</a:t>
             </a:r>
           </a:p>
         </p:txBody>
@@ -6774,6 +6777,186 @@
           </a:fontRef>
         </p:style>
       </p:cxnSp>
+      <p:sp>
+        <p:nvSpPr>
+          <p:cNvPr id="4" name="TextBox 3">
+            <a:extLst>
+              <a:ext uri="{FF2B5EF4-FFF2-40B4-BE49-F238E27FC236}">
+                <a16:creationId xmlns:a16="http://schemas.microsoft.com/office/drawing/2014/main" id="{70361C36-560F-0A8B-6A53-70A7EFAFFF81}"/>
+              </a:ext>
+            </a:extLst>
+          </p:cNvPr>
+          <p:cNvSpPr txBox="1"/>
+          <p:nvPr/>
+        </p:nvSpPr>
+        <p:spPr>
+          <a:xfrm>
+            <a:off x="9074462" y="4403954"/>
+            <a:ext cx="2158781" cy="369332"/>
+          </a:xfrm>
+          <a:prstGeom prst="rect">
+            <a:avLst/>
+          </a:prstGeom>
+          <a:noFill/>
+        </p:spPr>
+        <p:txBody>
+          <a:bodyPr wrap="square">
+            <a:spAutoFit/>
+          </a:bodyPr>
+          <a:lstStyle/>
+          <a:p>
+            <a:r>
+              <a:rPr lang="en-US" sz="1800" dirty="0"/>
+              <a:t>(higher in bought) </a:t>
+            </a:r>
+            <a:endParaRPr lang="en-US" dirty="0"/>
+          </a:p>
+        </p:txBody>
+      </p:sp>
+      <p:sp>
+        <p:nvSpPr>
+          <p:cNvPr id="5" name="TextBox 4">
+            <a:extLst>
+              <a:ext uri="{FF2B5EF4-FFF2-40B4-BE49-F238E27FC236}">
+                <a16:creationId xmlns:a16="http://schemas.microsoft.com/office/drawing/2014/main" id="{3D0A12A4-1B81-E858-DF86-505B3BDEC894}"/>
+              </a:ext>
+            </a:extLst>
+          </p:cNvPr>
+          <p:cNvSpPr txBox="1"/>
+          <p:nvPr/>
+        </p:nvSpPr>
+        <p:spPr>
+          <a:xfrm>
+            <a:off x="9103400" y="4818293"/>
+            <a:ext cx="2158781" cy="369332"/>
+          </a:xfrm>
+          <a:prstGeom prst="rect">
+            <a:avLst/>
+          </a:prstGeom>
+          <a:noFill/>
+        </p:spPr>
+        <p:txBody>
+          <a:bodyPr wrap="square">
+            <a:spAutoFit/>
+          </a:bodyPr>
+          <a:lstStyle/>
+          <a:p>
+            <a:r>
+              <a:rPr lang="en-US" sz="1800" dirty="0"/>
+              <a:t>(lower in bought) </a:t>
+            </a:r>
+            <a:endParaRPr lang="en-US" dirty="0"/>
+          </a:p>
+        </p:txBody>
+      </p:sp>
+      <p:sp>
+        <p:nvSpPr>
+          <p:cNvPr id="6" name="TextBox 5">
+            <a:extLst>
+              <a:ext uri="{FF2B5EF4-FFF2-40B4-BE49-F238E27FC236}">
+                <a16:creationId xmlns:a16="http://schemas.microsoft.com/office/drawing/2014/main" id="{95B193EB-9C7F-F73D-F774-AA0F332C28CF}"/>
+              </a:ext>
+            </a:extLst>
+          </p:cNvPr>
+          <p:cNvSpPr txBox="1"/>
+          <p:nvPr/>
+        </p:nvSpPr>
+        <p:spPr>
+          <a:xfrm>
+            <a:off x="9085709" y="5237785"/>
+            <a:ext cx="2158781" cy="369332"/>
+          </a:xfrm>
+          <a:prstGeom prst="rect">
+            <a:avLst/>
+          </a:prstGeom>
+          <a:noFill/>
+        </p:spPr>
+        <p:txBody>
+          <a:bodyPr wrap="square">
+            <a:spAutoFit/>
+          </a:bodyPr>
+          <a:lstStyle/>
+          <a:p>
+            <a:r>
+              <a:rPr lang="en-US" sz="1800" dirty="0"/>
+              <a:t>(higher in bought) </a:t>
+            </a:r>
+            <a:endParaRPr lang="en-US" dirty="0"/>
+          </a:p>
+        </p:txBody>
+      </p:sp>
+      <p:sp>
+        <p:nvSpPr>
+          <p:cNvPr id="8" name="TextBox 7">
+            <a:extLst>
+              <a:ext uri="{FF2B5EF4-FFF2-40B4-BE49-F238E27FC236}">
+                <a16:creationId xmlns:a16="http://schemas.microsoft.com/office/drawing/2014/main" id="{AF1B11D2-5DDA-AEB3-1CE1-87777ED5A97E}"/>
+              </a:ext>
+            </a:extLst>
+          </p:cNvPr>
+          <p:cNvSpPr txBox="1"/>
+          <p:nvPr/>
+        </p:nvSpPr>
+        <p:spPr>
+          <a:xfrm>
+            <a:off x="9119727" y="6092144"/>
+            <a:ext cx="2158781" cy="369332"/>
+          </a:xfrm>
+          <a:prstGeom prst="rect">
+            <a:avLst/>
+          </a:prstGeom>
+          <a:noFill/>
+        </p:spPr>
+        <p:txBody>
+          <a:bodyPr wrap="square">
+            <a:spAutoFit/>
+          </a:bodyPr>
+          <a:lstStyle/>
+          <a:p>
+            <a:r>
+              <a:rPr lang="en-US" sz="1800" dirty="0"/>
+              <a:t>(higher in bought) </a:t>
+            </a:r>
+            <a:endParaRPr lang="en-US" dirty="0"/>
+          </a:p>
+        </p:txBody>
+      </p:sp>
+      <p:sp>
+        <p:nvSpPr>
+          <p:cNvPr id="9" name="TextBox 8">
+            <a:extLst>
+              <a:ext uri="{FF2B5EF4-FFF2-40B4-BE49-F238E27FC236}">
+                <a16:creationId xmlns:a16="http://schemas.microsoft.com/office/drawing/2014/main" id="{475315FD-2190-6BE1-75F1-5E68A2FD30CD}"/>
+              </a:ext>
+            </a:extLst>
+          </p:cNvPr>
+          <p:cNvSpPr txBox="1"/>
+          <p:nvPr/>
+        </p:nvSpPr>
+        <p:spPr>
+          <a:xfrm>
+            <a:off x="9074461" y="5668953"/>
+            <a:ext cx="2158781" cy="369332"/>
+          </a:xfrm>
+          <a:prstGeom prst="rect">
+            <a:avLst/>
+          </a:prstGeom>
+          <a:noFill/>
+        </p:spPr>
+        <p:txBody>
+          <a:bodyPr wrap="square">
+            <a:spAutoFit/>
+          </a:bodyPr>
+          <a:lstStyle/>
+          <a:p>
+            <a:r>
+              <a:rPr lang="en-US" sz="1800" dirty="0"/>
+              <a:t>(lower in bought) </a:t>
+            </a:r>
+            <a:endParaRPr lang="en-US" dirty="0"/>
+          </a:p>
+        </p:txBody>
+      </p:sp>
     </p:spTree>
     <p:extLst>
       <p:ext uri="{BB962C8B-B14F-4D97-AF65-F5344CB8AC3E}">
@@ -13614,7 +13797,7 @@
         <p:spPr/>
         <p:txBody>
           <a:bodyPr>
-            <a:normAutofit fontScale="92500" lnSpcReduction="20000"/>
+            <a:normAutofit fontScale="62500" lnSpcReduction="20000"/>
           </a:bodyPr>
           <a:lstStyle/>
           <a:p>
@@ -13774,6 +13957,82 @@
                 </a:solidFill>
               </a:rPr>
               <a:t> before model training.</a:t>
+            </a:r>
+          </a:p>
+          <a:p>
+            <a:pPr marL="514350" indent="-514350">
+              <a:buFont typeface="Arial" panose="020B0604020202020204" pitchFamily="34" charset="0"/>
+              <a:buAutoNum type="arabicPeriod"/>
+            </a:pPr>
+            <a:r>
+              <a:rPr lang="en-US" dirty="0">
+                <a:solidFill>
+                  <a:schemeClr val="accent6">
+                    <a:lumMod val="50000"/>
+                  </a:schemeClr>
+                </a:solidFill>
+              </a:rPr>
+              <a:t>Current Expected Revenue is calculated with the formula of “probability of a client will purchase a product” </a:t>
+            </a:r>
+            <a:r>
+              <a:rPr lang="en-US" b="1" dirty="0">
+                <a:solidFill>
+                  <a:schemeClr val="accent6">
+                    <a:lumMod val="50000"/>
+                  </a:schemeClr>
+                </a:solidFill>
+              </a:rPr>
+              <a:t>X</a:t>
+            </a:r>
+            <a:r>
+              <a:rPr lang="en-US" dirty="0">
+                <a:solidFill>
+                  <a:schemeClr val="accent6">
+                    <a:lumMod val="50000"/>
+                  </a:schemeClr>
+                </a:solidFill>
+              </a:rPr>
+              <a:t> “predicted the product revenue from the client” </a:t>
+            </a:r>
+            <a:r>
+              <a:rPr lang="en-US" b="1" dirty="0">
+                <a:solidFill>
+                  <a:schemeClr val="accent6">
+                    <a:lumMod val="50000"/>
+                  </a:schemeClr>
+                </a:solidFill>
+              </a:rPr>
+              <a:t>X “</a:t>
+            </a:r>
+            <a:r>
+              <a:rPr lang="en-US" dirty="0">
+                <a:solidFill>
+                  <a:schemeClr val="accent6">
+                    <a:lumMod val="50000"/>
+                  </a:schemeClr>
+                </a:solidFill>
+              </a:rPr>
+              <a:t>predicted outcome if the client buy the product (1 if probability to purchase &gt; 50% else 0)”. The other method to consider to get the top 150 clients with best revenue product recommendation is to calculate the Expected Value by excluding the product of </a:t>
+            </a:r>
+            <a:r>
+              <a:rPr lang="en-US" b="1" dirty="0">
+                <a:solidFill>
+                  <a:schemeClr val="accent6">
+                    <a:lumMod val="50000"/>
+                  </a:schemeClr>
+                </a:solidFill>
+              </a:rPr>
+              <a:t>“</a:t>
+            </a:r>
+            <a:r>
+              <a:rPr lang="en-US" dirty="0">
+                <a:solidFill>
+                  <a:schemeClr val="accent6">
+                    <a:lumMod val="50000"/>
+                  </a:schemeClr>
+                </a:solidFill>
+              </a:rPr>
+              <a:t>predicted outcome if the client buy the product (1 if probability to purchase &gt; 50% else 0)”, then obtained the top150 list purely based on the Expected Revenue regardless the predicted outcome 1 or 0.</a:t>
             </a:r>
           </a:p>
           <a:p>
